--- a/答辩ppt.pptx
+++ b/答辩ppt.pptx
@@ -256,7 +256,7 @@
                 <a:latin typeface="微软雅黑" panose="020B0503020204020204" charset="-122"/>
                 <a:ea typeface="微软雅黑" panose="020B0503020204020204" charset="-122"/>
               </a:rPr>
-              <a:t>2022/7/8</a:t>
+              <a:t>2022/7/9</a:t>
             </a:fld>
             <a:endParaRPr lang="zh-CN" altLang="en-US">
               <a:latin typeface="微软雅黑" panose="020B0503020204020204" charset="-122"/>
@@ -439,7 +439,7 @@
           <a:p>
             <a:fld id="{1AC49D05-6128-4D0D-A32A-06A5E73B386C}" type="datetimeFigureOut">
               <a:rPr lang="zh-CN" altLang="en-US" smtClean="0"/>
-              <a:t>2022/7/8</a:t>
+              <a:t>2022/7/9</a:t>
             </a:fld>
             <a:endParaRPr lang="zh-CN" altLang="en-US"/>
           </a:p>
@@ -3088,7 +3088,7 @@
           <a:p>
             <a:fld id="{760FBDFE-C587-4B4C-A407-44438C67B59E}" type="datetimeFigureOut">
               <a:rPr lang="zh-CN" altLang="en-US" smtClean="0"/>
-              <a:t>2022/7/8</a:t>
+              <a:t>2022/7/9</a:t>
             </a:fld>
             <a:endParaRPr lang="zh-CN" altLang="en-US"/>
           </a:p>
@@ -3187,7 +3187,7 @@
           <a:p>
             <a:fld id="{760FBDFE-C587-4B4C-A407-44438C67B59E}" type="datetimeFigureOut">
               <a:rPr lang="zh-CN" altLang="en-US" smtClean="0"/>
-              <a:t>2022/7/8</a:t>
+              <a:t>2022/7/9</a:t>
             </a:fld>
             <a:endParaRPr lang="zh-CN" altLang="en-US"/>
           </a:p>
@@ -3396,7 +3396,7 @@
           <a:p>
             <a:fld id="{760FBDFE-C587-4B4C-A407-44438C67B59E}" type="datetimeFigureOut">
               <a:rPr lang="zh-CN" altLang="en-US" smtClean="0"/>
-              <a:t>2022/7/8</a:t>
+              <a:t>2022/7/9</a:t>
             </a:fld>
             <a:endParaRPr lang="zh-CN" altLang="en-US"/>
           </a:p>
@@ -3811,7 +3811,7 @@
           <a:p>
             <a:fld id="{760FBDFE-C587-4B4C-A407-44438C67B59E}" type="datetimeFigureOut">
               <a:rPr lang="zh-CN" altLang="en-US" smtClean="0"/>
-              <a:t>2022/7/8</a:t>
+              <a:t>2022/7/9</a:t>
             </a:fld>
             <a:endParaRPr lang="zh-CN" altLang="en-US"/>
           </a:p>
@@ -4085,7 +4085,7 @@
           <a:p>
             <a:fld id="{760FBDFE-C587-4B4C-A407-44438C67B59E}" type="datetimeFigureOut">
               <a:rPr lang="zh-CN" altLang="en-US" smtClean="0"/>
-              <a:t>2022/7/8</a:t>
+              <a:t>2022/7/9</a:t>
             </a:fld>
             <a:endParaRPr lang="zh-CN" altLang="en-US"/>
           </a:p>
@@ -4553,7 +4553,7 @@
           <a:p>
             <a:fld id="{760FBDFE-C587-4B4C-A407-44438C67B59E}" type="datetimeFigureOut">
               <a:rPr lang="zh-CN" altLang="en-US" smtClean="0"/>
-              <a:t>2022/7/8</a:t>
+              <a:t>2022/7/9</a:t>
             </a:fld>
             <a:endParaRPr lang="zh-CN" altLang="en-US"/>
           </a:p>
@@ -5286,7 +5286,7 @@
           <a:p>
             <a:fld id="{760FBDFE-C587-4B4C-A407-44438C67B59E}" type="datetimeFigureOut">
               <a:rPr lang="zh-CN" altLang="en-US" smtClean="0"/>
-              <a:t>2022/7/8</a:t>
+              <a:t>2022/7/9</a:t>
             </a:fld>
             <a:endParaRPr lang="zh-CN" altLang="en-US"/>
           </a:p>
@@ -5432,7 +5432,7 @@
           <a:p>
             <a:fld id="{760FBDFE-C587-4B4C-A407-44438C67B59E}" type="datetimeFigureOut">
               <a:rPr lang="zh-CN" altLang="en-US" smtClean="0"/>
-              <a:t>2022/7/8</a:t>
+              <a:t>2022/7/9</a:t>
             </a:fld>
             <a:endParaRPr lang="zh-CN" altLang="en-US"/>
           </a:p>
@@ -5531,7 +5531,7 @@
           <a:p>
             <a:fld id="{760FBDFE-C587-4B4C-A407-44438C67B59E}" type="datetimeFigureOut">
               <a:rPr lang="zh-CN" altLang="en-US" smtClean="0"/>
-              <a:t>2022/7/8</a:t>
+              <a:t>2022/7/9</a:t>
             </a:fld>
             <a:endParaRPr lang="zh-CN" altLang="en-US"/>
           </a:p>
@@ -5846,7 +5846,7 @@
           <a:p>
             <a:fld id="{9EFD9D74-47D9-4702-A33C-335B63B48DBF}" type="datetimeFigureOut">
               <a:rPr lang="zh-CN" altLang="en-US" smtClean="0"/>
-              <a:t>2022/7/8</a:t>
+              <a:t>2022/7/9</a:t>
             </a:fld>
             <a:endParaRPr lang="zh-CN" altLang="en-US" dirty="0"/>
           </a:p>
@@ -6135,7 +6135,7 @@
           <a:p>
             <a:fld id="{760FBDFE-C587-4B4C-A407-44438C67B59E}" type="datetimeFigureOut">
               <a:rPr lang="zh-CN" altLang="en-US" smtClean="0"/>
-              <a:t>2022/7/8</a:t>
+              <a:t>2022/7/9</a:t>
             </a:fld>
             <a:endParaRPr lang="zh-CN" altLang="en-US"/>
           </a:p>
@@ -6369,7 +6369,7 @@
           <a:p>
             <a:fld id="{760FBDFE-C587-4B4C-A407-44438C67B59E}" type="datetimeFigureOut">
               <a:rPr lang="zh-CN" altLang="en-US" smtClean="0"/>
-              <a:t>2022/7/8</a:t>
+              <a:t>2022/7/9</a:t>
             </a:fld>
             <a:endParaRPr lang="zh-CN" altLang="en-US"/>
           </a:p>
@@ -6890,21 +6890,35 @@
                 <a:latin typeface="宋体" panose="02010600030101010101" pitchFamily="2" charset="-122"/>
                 <a:ea typeface="宋体" panose="02010600030101010101" pitchFamily="2" charset="-122"/>
               </a:rPr>
-              <a:t>汇报人：王泽玺</a:t>
+              <a:t>汇报人：</a:t>
             </a:r>
+            <a:endParaRPr lang="en-US" altLang="zh-CN" sz="1000">
+              <a:solidFill>
+                <a:schemeClr val="bg1"/>
+              </a:solidFill>
+              <a:latin typeface="宋体" panose="02010600030101010101" pitchFamily="2" charset="-122"/>
+              <a:ea typeface="宋体" panose="02010600030101010101" pitchFamily="2" charset="-122"/>
+            </a:endParaRPr>
           </a:p>
           <a:p>
             <a:pPr algn="ctr"/>
             <a:r>
-              <a:rPr lang="zh-CN" altLang="en-US" sz="1000" dirty="0">
+              <a:rPr lang="zh-CN" altLang="en-US" sz="1000">
                 <a:solidFill>
                   <a:schemeClr val="bg1"/>
                 </a:solidFill>
                 <a:latin typeface="宋体" panose="02010600030101010101" pitchFamily="2" charset="-122"/>
                 <a:ea typeface="宋体" panose="02010600030101010101" pitchFamily="2" charset="-122"/>
               </a:rPr>
-              <a:t>指导老师：杨婧</a:t>
+              <a:t>指导老师：</a:t>
             </a:r>
+            <a:endParaRPr lang="zh-CN" altLang="en-US" sz="1000" dirty="0">
+              <a:solidFill>
+                <a:schemeClr val="bg1"/>
+              </a:solidFill>
+              <a:latin typeface="宋体" panose="02010600030101010101" pitchFamily="2" charset="-122"/>
+              <a:ea typeface="宋体" panose="02010600030101010101" pitchFamily="2" charset="-122"/>
+            </a:endParaRPr>
           </a:p>
         </p:txBody>
       </p:sp>
